--- a/src/git_bob/data/slide_template.pptx
+++ b/src/git_bob/data/slide_template.pptx
@@ -446,7 +446,7 @@
         </p:nvSpPr>
         <p:spPr>
           <a:xfrm>
-            <a:off x="9229479" y="2613591"/>
+            <a:off x="9229479" y="2489634"/>
             <a:ext cx="2274660" cy="523220"/>
           </a:xfrm>
           <a:prstGeom prst="rect">
@@ -551,7 +551,7 @@
         <p:spPr>
           <a:xfrm>
             <a:off x="277920" y="1371600"/>
-            <a:ext cx="11075880" cy="4842235"/>
+            <a:ext cx="11075880" cy="4989871"/>
           </a:xfrm>
         </p:spPr>
         <p:txBody>
@@ -591,113 +591,6 @@
               <a:rPr lang="en-US"/>
               <a:t>Fifth level</a:t>
             </a:r>
-          </a:p>
-        </p:txBody>
-      </p:sp>
-      <p:sp>
-        <p:nvSpPr>
-          <p:cNvPr id="4" name="Date Placeholder 3">
-            <a:extLst>
-              <a:ext uri="{FF2B5EF4-FFF2-40B4-BE49-F238E27FC236}">
-                <a16:creationId xmlns:a16="http://schemas.microsoft.com/office/drawing/2014/main" id="{25656A75-A8B3-C3E1-1DF0-49E36B9141C7}"/>
-              </a:ext>
-            </a:extLst>
-          </p:cNvPr>
-          <p:cNvSpPr>
-            <a:spLocks noGrp="1"/>
-          </p:cNvSpPr>
-          <p:nvPr>
-            <p:ph type="dt" sz="half" idx="10"/>
-          </p:nvPr>
-        </p:nvSpPr>
-        <p:spPr>
-          <a:xfrm>
-            <a:off x="1017360" y="7670780"/>
-            <a:ext cx="2743200" cy="365125"/>
-          </a:xfrm>
-          <a:prstGeom prst="rect">
-            <a:avLst/>
-          </a:prstGeom>
-        </p:spPr>
-        <p:txBody>
-          <a:bodyPr/>
-          <a:lstStyle/>
-          <a:p>
-            <a:fld id="{3203B15E-653A-4B2F-9F5F-14E85920A64B}" type="datetimeFigureOut">
-              <a:rPr lang="en-US" smtClean="0"/>
-              <a:t>11/2/2024</a:t>
-            </a:fld>
-            <a:endParaRPr lang="en-US"/>
-          </a:p>
-        </p:txBody>
-      </p:sp>
-      <p:sp>
-        <p:nvSpPr>
-          <p:cNvPr id="5" name="Footer Placeholder 4">
-            <a:extLst>
-              <a:ext uri="{FF2B5EF4-FFF2-40B4-BE49-F238E27FC236}">
-                <a16:creationId xmlns:a16="http://schemas.microsoft.com/office/drawing/2014/main" id="{7A75E583-EEFA-DE14-BECC-D6DC592B9A83}"/>
-              </a:ext>
-            </a:extLst>
-          </p:cNvPr>
-          <p:cNvSpPr>
-            <a:spLocks noGrp="1"/>
-          </p:cNvSpPr>
-          <p:nvPr>
-            <p:ph type="ftr" sz="quarter" idx="11"/>
-          </p:nvPr>
-        </p:nvSpPr>
-        <p:spPr>
-          <a:xfrm>
-            <a:off x="4037580" y="7471355"/>
-            <a:ext cx="4114800" cy="365125"/>
-          </a:xfrm>
-          <a:prstGeom prst="rect">
-            <a:avLst/>
-          </a:prstGeom>
-        </p:spPr>
-        <p:txBody>
-          <a:bodyPr/>
-          <a:lstStyle/>
-          <a:p>
-            <a:endParaRPr lang="en-US"/>
-          </a:p>
-        </p:txBody>
-      </p:sp>
-      <p:sp>
-        <p:nvSpPr>
-          <p:cNvPr id="6" name="Slide Number Placeholder 5">
-            <a:extLst>
-              <a:ext uri="{FF2B5EF4-FFF2-40B4-BE49-F238E27FC236}">
-                <a16:creationId xmlns:a16="http://schemas.microsoft.com/office/drawing/2014/main" id="{B635FC2C-00F2-0019-9A0E-EE02075C672B}"/>
-              </a:ext>
-            </a:extLst>
-          </p:cNvPr>
-          <p:cNvSpPr>
-            <a:spLocks noGrp="1"/>
-          </p:cNvSpPr>
-          <p:nvPr>
-            <p:ph type="sldNum" sz="quarter" idx="12"/>
-          </p:nvPr>
-        </p:nvSpPr>
-        <p:spPr>
-          <a:xfrm>
-            <a:off x="7155720" y="7974133"/>
-            <a:ext cx="2743200" cy="365125"/>
-          </a:xfrm>
-          <a:prstGeom prst="rect">
-            <a:avLst/>
-          </a:prstGeom>
-        </p:spPr>
-        <p:txBody>
-          <a:bodyPr/>
-          <a:lstStyle/>
-          <a:p>
-            <a:fld id="{1E909D46-20F9-4BDB-ADE5-B8144AAAE811}" type="slidenum">
-              <a:rPr lang="en-US" smtClean="0"/>
-              <a:t>‹#›</a:t>
-            </a:fld>
-            <a:endParaRPr lang="en-US"/>
           </a:p>
         </p:txBody>
       </p:sp>
@@ -716,7 +609,7 @@
           <p:nvPr userDrawn="1"/>
         </p:nvPicPr>
         <p:blipFill>
-          <a:blip r:embed="rId2">
+          <a:blip r:embed="rId2" cstate="print">
             <a:extLst>
               <a:ext uri="{28A0092B-C50C-407E-A947-70E740481C1C}">
                 <a14:useLocalDpi xmlns:a14="http://schemas.microsoft.com/office/drawing/2010/main" val="0"/>
@@ -729,8 +622,8 @@
         </p:blipFill>
         <p:spPr>
           <a:xfrm>
-            <a:off x="10854813" y="338449"/>
-            <a:ext cx="1177255" cy="1177255"/>
+            <a:off x="10854815" y="365125"/>
+            <a:ext cx="914400" cy="914400"/>
           </a:xfrm>
           <a:prstGeom prst="rect">
             <a:avLst/>
@@ -819,7 +712,7 @@
         <p:spPr>
           <a:xfrm>
             <a:off x="277920" y="1371600"/>
-            <a:ext cx="5351603" cy="4859380"/>
+            <a:ext cx="5351603" cy="5019368"/>
           </a:xfrm>
         </p:spPr>
         <p:txBody>
@@ -859,113 +752,6 @@
               <a:rPr lang="en-US" dirty="0"/>
               <a:t>Fifth level</a:t>
             </a:r>
-          </a:p>
-        </p:txBody>
-      </p:sp>
-      <p:sp>
-        <p:nvSpPr>
-          <p:cNvPr id="4" name="Date Placeholder 3">
-            <a:extLst>
-              <a:ext uri="{FF2B5EF4-FFF2-40B4-BE49-F238E27FC236}">
-                <a16:creationId xmlns:a16="http://schemas.microsoft.com/office/drawing/2014/main" id="{25656A75-A8B3-C3E1-1DF0-49E36B9141C7}"/>
-              </a:ext>
-            </a:extLst>
-          </p:cNvPr>
-          <p:cNvSpPr>
-            <a:spLocks noGrp="1"/>
-          </p:cNvSpPr>
-          <p:nvPr>
-            <p:ph type="dt" sz="half" idx="10"/>
-          </p:nvPr>
-        </p:nvSpPr>
-        <p:spPr>
-          <a:xfrm>
-            <a:off x="1017360" y="7670780"/>
-            <a:ext cx="2743200" cy="365125"/>
-          </a:xfrm>
-          <a:prstGeom prst="rect">
-            <a:avLst/>
-          </a:prstGeom>
-        </p:spPr>
-        <p:txBody>
-          <a:bodyPr/>
-          <a:lstStyle/>
-          <a:p>
-            <a:fld id="{3203B15E-653A-4B2F-9F5F-14E85920A64B}" type="datetimeFigureOut">
-              <a:rPr lang="en-US" smtClean="0"/>
-              <a:t>11/2/2024</a:t>
-            </a:fld>
-            <a:endParaRPr lang="en-US"/>
-          </a:p>
-        </p:txBody>
-      </p:sp>
-      <p:sp>
-        <p:nvSpPr>
-          <p:cNvPr id="5" name="Footer Placeholder 4">
-            <a:extLst>
-              <a:ext uri="{FF2B5EF4-FFF2-40B4-BE49-F238E27FC236}">
-                <a16:creationId xmlns:a16="http://schemas.microsoft.com/office/drawing/2014/main" id="{7A75E583-EEFA-DE14-BECC-D6DC592B9A83}"/>
-              </a:ext>
-            </a:extLst>
-          </p:cNvPr>
-          <p:cNvSpPr>
-            <a:spLocks noGrp="1"/>
-          </p:cNvSpPr>
-          <p:nvPr>
-            <p:ph type="ftr" sz="quarter" idx="11"/>
-          </p:nvPr>
-        </p:nvSpPr>
-        <p:spPr>
-          <a:xfrm>
-            <a:off x="4037580" y="7471355"/>
-            <a:ext cx="4114800" cy="365125"/>
-          </a:xfrm>
-          <a:prstGeom prst="rect">
-            <a:avLst/>
-          </a:prstGeom>
-        </p:spPr>
-        <p:txBody>
-          <a:bodyPr/>
-          <a:lstStyle/>
-          <a:p>
-            <a:endParaRPr lang="en-US"/>
-          </a:p>
-        </p:txBody>
-      </p:sp>
-      <p:sp>
-        <p:nvSpPr>
-          <p:cNvPr id="6" name="Slide Number Placeholder 5">
-            <a:extLst>
-              <a:ext uri="{FF2B5EF4-FFF2-40B4-BE49-F238E27FC236}">
-                <a16:creationId xmlns:a16="http://schemas.microsoft.com/office/drawing/2014/main" id="{B635FC2C-00F2-0019-9A0E-EE02075C672B}"/>
-              </a:ext>
-            </a:extLst>
-          </p:cNvPr>
-          <p:cNvSpPr>
-            <a:spLocks noGrp="1"/>
-          </p:cNvSpPr>
-          <p:nvPr>
-            <p:ph type="sldNum" sz="quarter" idx="12"/>
-          </p:nvPr>
-        </p:nvSpPr>
-        <p:spPr>
-          <a:xfrm>
-            <a:off x="7155720" y="7974133"/>
-            <a:ext cx="2743200" cy="365125"/>
-          </a:xfrm>
-          <a:prstGeom prst="rect">
-            <a:avLst/>
-          </a:prstGeom>
-        </p:spPr>
-        <p:txBody>
-          <a:bodyPr/>
-          <a:lstStyle/>
-          <a:p>
-            <a:fld id="{1E909D46-20F9-4BDB-ADE5-B8144AAAE811}" type="slidenum">
-              <a:rPr lang="en-US" smtClean="0"/>
-              <a:t>‹#›</a:t>
-            </a:fld>
-            <a:endParaRPr lang="en-US"/>
           </a:p>
         </p:txBody>
       </p:sp>
@@ -987,8 +773,8 @@
         </p:nvSpPr>
         <p:spPr>
           <a:xfrm>
-            <a:off x="5749743" y="1371600"/>
-            <a:ext cx="5351603" cy="4859380"/>
+            <a:off x="5749743" y="1371599"/>
+            <a:ext cx="5351603" cy="5019367"/>
           </a:xfrm>
         </p:spPr>
         <p:txBody>
@@ -1033,10 +819,10 @@
       </p:sp>
       <p:pic>
         <p:nvPicPr>
-          <p:cNvPr id="8" name="Picture 7" descr="A logo of a rabbit&#10;&#10;Description automatically generated">
+          <p:cNvPr id="9" name="Picture 8" descr="A logo of a rabbit&#10;&#10;Description automatically generated">
             <a:extLst>
               <a:ext uri="{FF2B5EF4-FFF2-40B4-BE49-F238E27FC236}">
-                <a16:creationId xmlns:a16="http://schemas.microsoft.com/office/drawing/2014/main" id="{573BE852-7DFC-04A5-888E-4998DEDE01F6}"/>
+                <a16:creationId xmlns:a16="http://schemas.microsoft.com/office/drawing/2014/main" id="{771566EB-D319-31CF-FC7B-99E36EA5FB34}"/>
               </a:ext>
             </a:extLst>
           </p:cNvPr>
@@ -1046,7 +832,7 @@
           <p:nvPr userDrawn="1"/>
         </p:nvPicPr>
         <p:blipFill>
-          <a:blip r:embed="rId2">
+          <a:blip r:embed="rId2" cstate="print">
             <a:extLst>
               <a:ext uri="{28A0092B-C50C-407E-A947-70E740481C1C}">
                 <a14:useLocalDpi xmlns:a14="http://schemas.microsoft.com/office/drawing/2010/main" val="0"/>
@@ -1059,8 +845,8 @@
         </p:blipFill>
         <p:spPr>
           <a:xfrm>
-            <a:off x="10854813" y="338449"/>
-            <a:ext cx="1177255" cy="1177255"/>
+            <a:off x="10854815" y="365125"/>
+            <a:ext cx="914400" cy="914400"/>
           </a:xfrm>
           <a:prstGeom prst="rect">
             <a:avLst/>
@@ -1159,7 +945,7 @@
         <p:spPr>
           <a:xfrm>
             <a:off x="277920" y="1825624"/>
-            <a:ext cx="11075880" cy="4842235"/>
+            <a:ext cx="11075880" cy="4380571"/>
           </a:xfrm>
           <a:prstGeom prst="rect">
             <a:avLst/>
@@ -1221,8 +1007,8 @@
         </p:nvSpPr>
         <p:spPr>
           <a:xfrm>
-            <a:off x="11086440" y="6206195"/>
-            <a:ext cx="827640" cy="461665"/>
+            <a:off x="10427679" y="6384343"/>
+            <a:ext cx="827640" cy="507831"/>
           </a:xfrm>
           <a:prstGeom prst="rect">
             <a:avLst/>
@@ -1260,10 +1046,10 @@
               </a:tabLst>
             </a:pPr>
             <a:br>
-              <a:rPr sz="1000" dirty="0"/>
+              <a:rPr sz="1100" dirty="0"/>
             </a:br>
             <a:fld id="{99E337C0-7447-4D1C-BF36-95B1EF0F9DAB}" type="slidenum">
-              <a:rPr lang="de-DE" sz="1000" b="0" strike="noStrike" spc="-1" smtClean="0">
+              <a:rPr lang="de-DE" sz="1100" b="0" strike="noStrike" spc="-1" smtClean="0">
                 <a:solidFill>
                   <a:srgbClr val="727879"/>
                 </a:solidFill>
@@ -1272,7 +1058,7 @@
               </a:rPr>
               <a:t>‹#›</a:t>
             </a:fld>
-            <a:endParaRPr lang="en-US" sz="1000" b="0" strike="noStrike" spc="-1" dirty="0">
+            <a:endParaRPr lang="en-US" sz="1100" b="0" strike="noStrike" spc="-1" dirty="0">
               <a:solidFill>
                 <a:srgbClr val="000000"/>
               </a:solidFill>
@@ -1289,7 +1075,7 @@
                 <a:tab pos="0" algn="l"/>
               </a:tabLst>
             </a:pPr>
-            <a:endParaRPr lang="en-US" sz="1000" b="0" strike="noStrike" spc="-1" dirty="0">
+            <a:endParaRPr lang="en-US" sz="1100" b="0" strike="noStrike" spc="-1" dirty="0">
               <a:solidFill>
                 <a:srgbClr val="000000"/>
               </a:solidFill>
@@ -1300,61 +1086,100 @@
       </p:sp>
       <p:sp>
         <p:nvSpPr>
-          <p:cNvPr id="16" name="Rechteck 12">
+          <p:cNvPr id="4" name="TextBox 3">
             <a:extLst>
               <a:ext uri="{FF2B5EF4-FFF2-40B4-BE49-F238E27FC236}">
-                <a16:creationId xmlns:a16="http://schemas.microsoft.com/office/drawing/2014/main" id="{FFFAF923-D4FA-47C4-2D9A-0C40C99E8E01}"/>
+                <a16:creationId xmlns:a16="http://schemas.microsoft.com/office/drawing/2014/main" id="{0E9D4AE1-CADF-3FD3-4716-2026FC7B2B33}"/>
               </a:ext>
             </a:extLst>
           </p:cNvPr>
-          <p:cNvSpPr/>
+          <p:cNvSpPr txBox="1"/>
           <p:nvPr userDrawn="1"/>
         </p:nvSpPr>
         <p:spPr>
           <a:xfrm>
-            <a:off x="0" y="980640"/>
-            <a:ext cx="12189960" cy="5875200"/>
+            <a:off x="277920" y="6497747"/>
+            <a:ext cx="11520790" cy="261610"/>
           </a:xfrm>
           <a:prstGeom prst="rect">
             <a:avLst/>
           </a:prstGeom>
           <a:noFill/>
-          <a:ln>
-            <a:noFill/>
-          </a:ln>
         </p:spPr>
-        <p:style>
-          <a:lnRef idx="2">
-            <a:schemeClr val="accent1">
-              <a:shade val="50000"/>
-            </a:schemeClr>
-          </a:lnRef>
-          <a:fillRef idx="1">
-            <a:schemeClr val="accent1"/>
-          </a:fillRef>
-          <a:effectRef idx="0">
-            <a:schemeClr val="accent1"/>
-          </a:effectRef>
-          <a:fontRef idx="minor"/>
-        </p:style>
         <p:txBody>
-          <a:bodyPr lIns="90000" tIns="45000" rIns="90000" bIns="45000" anchor="t">
-            <a:noAutofit/>
+          <a:bodyPr wrap="square" rtlCol="0">
+            <a:spAutoFit/>
           </a:bodyPr>
           <a:lstStyle/>
           <a:p>
-            <a:pPr>
-              <a:lnSpc>
-                <a:spcPct val="100000"/>
-              </a:lnSpc>
-              <a:buNone/>
-            </a:pPr>
-            <a:endParaRPr lang="en-US" sz="1800" b="0" strike="noStrike" spc="-1">
-              <a:solidFill>
-                <a:srgbClr val="000000"/>
-              </a:solidFill>
-              <a:latin typeface="Calibri"/>
-              <a:ea typeface="DejaVu Sans"/>
+            <a:r>
+              <a:rPr lang="en-GB" sz="1100" dirty="0">
+                <a:latin typeface="Open Sans" panose="020B0606030504020204" pitchFamily="34" charset="0"/>
+                <a:ea typeface="Open Sans" panose="020B0606030504020204" pitchFamily="34" charset="0"/>
+                <a:cs typeface="Open Sans" panose="020B0606030504020204" pitchFamily="34" charset="0"/>
+              </a:rPr>
+              <a:t>Author, Topic, Event, Date.    These slides were generated by </a:t>
+            </a:r>
+            <a:r>
+              <a:rPr lang="en-GB" sz="1100" b="0" i="0" dirty="0" err="1">
+                <a:solidFill>
+                  <a:srgbClr val="1F2328"/>
+                </a:solidFill>
+                <a:effectLst/>
+                <a:latin typeface="-apple-system"/>
+              </a:rPr>
+              <a:t>by</a:t>
+            </a:r>
+            <a:r>
+              <a:rPr lang="en-GB" sz="1100" b="0" i="0" dirty="0">
+                <a:solidFill>
+                  <a:srgbClr val="1F2328"/>
+                </a:solidFill>
+                <a:effectLst/>
+                <a:latin typeface="-apple-system"/>
+              </a:rPr>
+              <a:t> </a:t>
+            </a:r>
+            <a:r>
+              <a:rPr lang="en-GB" sz="1100" b="0" i="0" u="sng" dirty="0">
+                <a:effectLst/>
+                <a:latin typeface="-apple-system"/>
+                <a:hlinkClick r:id="rId5"/>
+              </a:rPr>
+              <a:t>git-bob</a:t>
+            </a:r>
+            <a:r>
+              <a:rPr lang="en-GB" sz="1100" b="0" i="0" dirty="0">
+                <a:solidFill>
+                  <a:srgbClr val="1F2328"/>
+                </a:solidFill>
+                <a:effectLst/>
+                <a:latin typeface="-apple-system"/>
+              </a:rPr>
+              <a:t>, an experimental AI-based assistant. It can make mistakes and has </a:t>
+            </a:r>
+            <a:r>
+              <a:rPr lang="en-GB" sz="1100" b="0" i="0" u="sng" dirty="0">
+                <a:effectLst/>
+                <a:latin typeface="-apple-system"/>
+                <a:hlinkClick r:id="rId6"/>
+              </a:rPr>
+              <a:t>limitations</a:t>
+            </a:r>
+            <a:r>
+              <a:rPr lang="en-GB" sz="1100" b="0" i="0" dirty="0">
+                <a:solidFill>
+                  <a:srgbClr val="1F2328"/>
+                </a:solidFill>
+                <a:effectLst/>
+                <a:latin typeface="-apple-system"/>
+              </a:rPr>
+              <a:t>. Check its messages carefully.</a:t>
+            </a:r>
+            <a:endParaRPr lang="LID4096" sz="1100" dirty="0">
+              <a:latin typeface="Open Sans" panose="020B0606030504020204" pitchFamily="34" charset="0"/>
+              <a:ea typeface="Open Sans" panose="020B0606030504020204" pitchFamily="34" charset="0"/>
+              <a:cs typeface="Open Sans" panose="020B0606030504020204" pitchFamily="34" charset="0"/>
             </a:endParaRPr>
           </a:p>
         </p:txBody>
